--- a/프로젝트 화면설계.pptx
+++ b/프로젝트 화면설계.pptx
@@ -1542,7 +1542,7 @@
             <a:fld id="{48A87A34-81AB-432B-8DAE-1953F412C126}" type="datetimeFigureOut">
               <a:rPr lang="en-US" dirty="0"/>
               <a:pPr/>
-              <a:t>2/10/2023</a:t>
+              <a:t>2/14/2023</a:t>
             </a:fld>
             <a:endParaRPr lang="en-US" dirty="0"/>
           </a:p>
@@ -2996,7 +2996,7 @@
           <a:p>
             <a:fld id="{48A87A34-81AB-432B-8DAE-1953F412C126}" type="datetimeFigureOut">
               <a:rPr lang="en-US" dirty="0"/>
-              <a:t>2/10/2023</a:t>
+              <a:t>2/14/2023</a:t>
             </a:fld>
             <a:endParaRPr lang="en-US" dirty="0"/>
           </a:p>
@@ -4444,7 +4444,7 @@
           <a:p>
             <a:fld id="{48A87A34-81AB-432B-8DAE-1953F412C126}" type="datetimeFigureOut">
               <a:rPr lang="en-US" dirty="0"/>
-              <a:t>2/10/2023</a:t>
+              <a:t>2/14/2023</a:t>
             </a:fld>
             <a:endParaRPr lang="en-US" dirty="0"/>
           </a:p>
@@ -5894,7 +5894,7 @@
           <a:p>
             <a:fld id="{48A87A34-81AB-432B-8DAE-1953F412C126}" type="datetimeFigureOut">
               <a:rPr lang="en-US" dirty="0"/>
-              <a:t>2/10/2023</a:t>
+              <a:t>2/14/2023</a:t>
             </a:fld>
             <a:endParaRPr lang="en-US" dirty="0"/>
           </a:p>
@@ -7397,7 +7397,7 @@
           <a:p>
             <a:fld id="{48A87A34-81AB-432B-8DAE-1953F412C126}" type="datetimeFigureOut">
               <a:rPr lang="en-US" dirty="0"/>
-              <a:t>2/10/2023</a:t>
+              <a:t>2/14/2023</a:t>
             </a:fld>
             <a:endParaRPr lang="en-US" dirty="0"/>
           </a:p>
@@ -8913,7 +8913,7 @@
           <a:p>
             <a:fld id="{48A87A34-81AB-432B-8DAE-1953F412C126}" type="datetimeFigureOut">
               <a:rPr lang="en-US" dirty="0"/>
-              <a:t>2/10/2023</a:t>
+              <a:t>2/14/2023</a:t>
             </a:fld>
             <a:endParaRPr lang="en-US" dirty="0"/>
           </a:p>
@@ -10573,7 +10573,7 @@
           <a:p>
             <a:fld id="{48A87A34-81AB-432B-8DAE-1953F412C126}" type="datetimeFigureOut">
               <a:rPr lang="en-US" dirty="0"/>
-              <a:t>2/10/2023</a:t>
+              <a:t>2/14/2023</a:t>
             </a:fld>
             <a:endParaRPr lang="en-US" dirty="0"/>
           </a:p>
@@ -11966,7 +11966,7 @@
           <a:p>
             <a:fld id="{48A87A34-81AB-432B-8DAE-1953F412C126}" type="datetimeFigureOut">
               <a:rPr lang="en-US" dirty="0"/>
-              <a:t>2/10/2023</a:t>
+              <a:t>2/14/2023</a:t>
             </a:fld>
             <a:endParaRPr lang="en-US" dirty="0"/>
           </a:p>
@@ -12061,7 +12061,7 @@
           <a:p>
             <a:fld id="{48A87A34-81AB-432B-8DAE-1953F412C126}" type="datetimeFigureOut">
               <a:rPr lang="en-US" dirty="0"/>
-              <a:t>2/10/2023</a:t>
+              <a:t>2/14/2023</a:t>
             </a:fld>
             <a:endParaRPr lang="en-US" dirty="0"/>
           </a:p>
@@ -13582,7 +13582,7 @@
           <a:p>
             <a:fld id="{48A87A34-81AB-432B-8DAE-1953F412C126}" type="datetimeFigureOut">
               <a:rPr lang="en-US" dirty="0"/>
-              <a:t>2/10/2023</a:t>
+              <a:t>2/14/2023</a:t>
             </a:fld>
             <a:endParaRPr lang="en-US" dirty="0"/>
           </a:p>
@@ -15113,7 +15113,7 @@
           <a:p>
             <a:fld id="{48A87A34-81AB-432B-8DAE-1953F412C126}" type="datetimeFigureOut">
               <a:rPr lang="en-US" dirty="0"/>
-              <a:t>2/10/2023</a:t>
+              <a:t>2/14/2023</a:t>
             </a:fld>
             <a:endParaRPr lang="en-US" dirty="0"/>
           </a:p>
@@ -15359,7 +15359,7 @@
             <a:fld id="{48A87A34-81AB-432B-8DAE-1953F412C126}" type="datetimeFigureOut">
               <a:rPr lang="en-US" dirty="0"/>
               <a:pPr/>
-              <a:t>2/10/2023</a:t>
+              <a:t>2/14/2023</a:t>
             </a:fld>
             <a:endParaRPr lang="en-US" dirty="0"/>
           </a:p>
@@ -17125,6 +17125,246 @@
           </p:spPr>
         </p:pic>
       </p:grpSp>
+      <p:sp>
+        <p:nvSpPr>
+          <p:cNvPr id="3" name="직사각형 2"/>
+          <p:cNvSpPr/>
+          <p:nvPr/>
+        </p:nvSpPr>
+        <p:spPr>
+          <a:xfrm>
+            <a:off x="92201" y="3637846"/>
+            <a:ext cx="6096000" cy="3139321"/>
+          </a:xfrm>
+          <a:prstGeom prst="rect">
+            <a:avLst/>
+          </a:prstGeom>
+        </p:spPr>
+        <p:txBody>
+          <a:bodyPr>
+            <a:spAutoFit/>
+          </a:bodyPr>
+          <a:lstStyle/>
+          <a:p>
+            <a:r>
+              <a:rPr lang="en-US" altLang="ko-KR" dirty="0" smtClean="0">
+                <a:solidFill>
+                  <a:srgbClr val="FF0000"/>
+                </a:solidFill>
+                <a:latin typeface="Consolas" panose="020B0609020204030204" pitchFamily="49" charset="0"/>
+              </a:rPr>
+              <a:t>-</a:t>
+            </a:r>
+            <a:r>
+              <a:rPr lang="ko-KR" altLang="en-US" dirty="0" smtClean="0">
+                <a:solidFill>
+                  <a:srgbClr val="FF0000"/>
+                </a:solidFill>
+                <a:latin typeface="Consolas" panose="020B0609020204030204" pitchFamily="49" charset="0"/>
+              </a:rPr>
+              <a:t>왼쪽 패널 크기 및 색상 </a:t>
+            </a:r>
+            <a:endParaRPr lang="en-US" altLang="ko-KR" dirty="0" smtClean="0">
+              <a:solidFill>
+                <a:srgbClr val="FF0000"/>
+              </a:solidFill>
+              <a:latin typeface="Consolas" panose="020B0609020204030204" pitchFamily="49" charset="0"/>
+            </a:endParaRPr>
+          </a:p>
+          <a:p>
+            <a:r>
+              <a:rPr lang="en-US" altLang="ko-KR" dirty="0" smtClean="0">
+                <a:solidFill>
+                  <a:srgbClr val="FF0000"/>
+                </a:solidFill>
+                <a:latin typeface="Consolas" panose="020B0609020204030204" pitchFamily="49" charset="0"/>
+              </a:rPr>
+              <a:t>p1 </a:t>
+            </a:r>
+            <a:r>
+              <a:rPr lang="en-US" altLang="ko-KR" dirty="0">
+                <a:solidFill>
+                  <a:srgbClr val="FF0000"/>
+                </a:solidFill>
+                <a:latin typeface="Consolas" panose="020B0609020204030204" pitchFamily="49" charset="0"/>
+              </a:rPr>
+              <a:t>= new </a:t>
+            </a:r>
+            <a:r>
+              <a:rPr lang="en-US" altLang="ko-KR" dirty="0" err="1">
+                <a:solidFill>
+                  <a:srgbClr val="FF0000"/>
+                </a:solidFill>
+                <a:latin typeface="Consolas" panose="020B0609020204030204" pitchFamily="49" charset="0"/>
+              </a:rPr>
+              <a:t>JPanel</a:t>
+            </a:r>
+            <a:r>
+              <a:rPr lang="en-US" altLang="ko-KR" dirty="0">
+                <a:solidFill>
+                  <a:srgbClr val="FF0000"/>
+                </a:solidFill>
+                <a:latin typeface="Consolas" panose="020B0609020204030204" pitchFamily="49" charset="0"/>
+              </a:rPr>
+              <a:t>();</a:t>
+            </a:r>
+          </a:p>
+          <a:p>
+            <a:r>
+              <a:rPr lang="en-US" altLang="ko-KR" dirty="0">
+                <a:solidFill>
+                  <a:srgbClr val="FF0000"/>
+                </a:solidFill>
+                <a:latin typeface="Consolas" panose="020B0609020204030204" pitchFamily="49" charset="0"/>
+              </a:rPr>
+              <a:t>p1.setLayout(null);</a:t>
+            </a:r>
+          </a:p>
+          <a:p>
+            <a:r>
+              <a:rPr lang="en-US" altLang="ko-KR" dirty="0">
+                <a:solidFill>
+                  <a:srgbClr val="FF0000"/>
+                </a:solidFill>
+                <a:latin typeface="Consolas" panose="020B0609020204030204" pitchFamily="49" charset="0"/>
+              </a:rPr>
+              <a:t>p1.setBackground(new Color(44,112,147</a:t>
+            </a:r>
+            <a:r>
+              <a:rPr lang="en-US" altLang="ko-KR" dirty="0" smtClean="0">
+                <a:solidFill>
+                  <a:srgbClr val="FF0000"/>
+                </a:solidFill>
+                <a:latin typeface="Consolas" panose="020B0609020204030204" pitchFamily="49" charset="0"/>
+              </a:rPr>
+              <a:t>));</a:t>
+            </a:r>
+            <a:endParaRPr lang="ko-KR" altLang="en-US" dirty="0">
+              <a:solidFill>
+                <a:srgbClr val="FF0000"/>
+              </a:solidFill>
+              <a:latin typeface="Consolas" panose="020B0609020204030204" pitchFamily="49" charset="0"/>
+            </a:endParaRPr>
+          </a:p>
+          <a:p>
+            <a:r>
+              <a:rPr lang="en-US" altLang="ko-KR" dirty="0">
+                <a:solidFill>
+                  <a:srgbClr val="FF0000"/>
+                </a:solidFill>
+                <a:latin typeface="Consolas" panose="020B0609020204030204" pitchFamily="49" charset="0"/>
+              </a:rPr>
+              <a:t>p1.setBounds(0, 0, 133, 461</a:t>
+            </a:r>
+            <a:r>
+              <a:rPr lang="en-US" altLang="ko-KR" dirty="0" smtClean="0">
+                <a:solidFill>
+                  <a:srgbClr val="FF0000"/>
+                </a:solidFill>
+                <a:latin typeface="Consolas" panose="020B0609020204030204" pitchFamily="49" charset="0"/>
+              </a:rPr>
+              <a:t>);</a:t>
+            </a:r>
+          </a:p>
+          <a:p>
+            <a:r>
+              <a:rPr lang="en-US" altLang="ko-KR" dirty="0" smtClean="0">
+                <a:solidFill>
+                  <a:srgbClr val="FF0000"/>
+                </a:solidFill>
+                <a:latin typeface="Consolas" panose="020B0609020204030204" pitchFamily="49" charset="0"/>
+              </a:rPr>
+              <a:t>-</a:t>
+            </a:r>
+            <a:r>
+              <a:rPr lang="ko-KR" altLang="en-US" dirty="0" smtClean="0">
+                <a:solidFill>
+                  <a:srgbClr val="FF0000"/>
+                </a:solidFill>
+                <a:latin typeface="Consolas" panose="020B0609020204030204" pitchFamily="49" charset="0"/>
+              </a:rPr>
+              <a:t>오른쪽 패널 크기 및 색상</a:t>
+            </a:r>
+            <a:endParaRPr lang="en-US" altLang="ko-KR" dirty="0">
+              <a:solidFill>
+                <a:srgbClr val="FF0000"/>
+              </a:solidFill>
+              <a:latin typeface="Consolas" panose="020B0609020204030204" pitchFamily="49" charset="0"/>
+            </a:endParaRPr>
+          </a:p>
+          <a:p>
+            <a:r>
+              <a:rPr lang="en-US" altLang="ko-KR" dirty="0">
+                <a:solidFill>
+                  <a:srgbClr val="FF0000"/>
+                </a:solidFill>
+                <a:latin typeface="Consolas" panose="020B0609020204030204" pitchFamily="49" charset="0"/>
+              </a:rPr>
+              <a:t>p2 = new </a:t>
+            </a:r>
+            <a:r>
+              <a:rPr lang="en-US" altLang="ko-KR" dirty="0" err="1">
+                <a:solidFill>
+                  <a:srgbClr val="FF0000"/>
+                </a:solidFill>
+                <a:latin typeface="Consolas" panose="020B0609020204030204" pitchFamily="49" charset="0"/>
+              </a:rPr>
+              <a:t>JPanel</a:t>
+            </a:r>
+            <a:r>
+              <a:rPr lang="en-US" altLang="ko-KR" dirty="0">
+                <a:solidFill>
+                  <a:srgbClr val="FF0000"/>
+                </a:solidFill>
+                <a:latin typeface="Consolas" panose="020B0609020204030204" pitchFamily="49" charset="0"/>
+              </a:rPr>
+              <a:t>();</a:t>
+            </a:r>
+          </a:p>
+          <a:p>
+            <a:r>
+              <a:rPr lang="en-US" altLang="ko-KR" dirty="0">
+                <a:solidFill>
+                  <a:srgbClr val="FF0000"/>
+                </a:solidFill>
+                <a:latin typeface="Consolas" panose="020B0609020204030204" pitchFamily="49" charset="0"/>
+              </a:rPr>
+              <a:t>p2.setLayout(null); </a:t>
+            </a:r>
+          </a:p>
+          <a:p>
+            <a:r>
+              <a:rPr lang="en-US" altLang="ko-KR" dirty="0">
+                <a:solidFill>
+                  <a:srgbClr val="FF0000"/>
+                </a:solidFill>
+                <a:latin typeface="Consolas" panose="020B0609020204030204" pitchFamily="49" charset="0"/>
+              </a:rPr>
+              <a:t>p2.setBackground(new Color(0,32,96));// </a:t>
+            </a:r>
+            <a:r>
+              <a:rPr lang="ko-KR" altLang="en-US" dirty="0">
+                <a:solidFill>
+                  <a:srgbClr val="FF0000"/>
+                </a:solidFill>
+                <a:latin typeface="Consolas" panose="020B0609020204030204" pitchFamily="49" charset="0"/>
+              </a:rPr>
+              <a:t>입고하기 메인 패널 색</a:t>
+            </a:r>
+          </a:p>
+          <a:p>
+            <a:r>
+              <a:rPr lang="en-US" altLang="ko-KR" dirty="0">
+                <a:solidFill>
+                  <a:srgbClr val="FF0000"/>
+                </a:solidFill>
+                <a:latin typeface="Consolas" panose="020B0609020204030204" pitchFamily="49" charset="0"/>
+              </a:rPr>
+              <a:t>p2.setBounds(132, 0, 552, 461);</a:t>
+            </a:r>
+          </a:p>
+        </p:txBody>
+      </p:sp>
     </p:spTree>
     <p:extLst>
       <p:ext uri="{BB962C8B-B14F-4D97-AF65-F5344CB8AC3E}">
@@ -38843,15 +39083,7 @@
                   <a:srgbClr val="FF0000"/>
                 </a:solidFill>
               </a:rPr>
-              <a:t>입고페이지로 </a:t>
-            </a:r>
-            <a:r>
-              <a:rPr lang="ko-KR" altLang="en-US" sz="1400" dirty="0" smtClean="0">
-                <a:solidFill>
-                  <a:srgbClr val="FF0000"/>
-                </a:solidFill>
-              </a:rPr>
-              <a:t>넘어감</a:t>
+              <a:t>입고페이지로 넘어감</a:t>
             </a:r>
             <a:endParaRPr lang="ko-KR" altLang="en-US" sz="1400" dirty="0">
               <a:solidFill>
